--- a/administrative/documents/day1_agenda.pptx
+++ b/administrative/documents/day1_agenda.pptx
@@ -5,13 +5,12 @@
     <p:sldMasterId id="2147483659" r:id="rId1"/>
   </p:sldMasterIdLst>
   <p:notesMasterIdLst>
-    <p:notesMasterId r:id="rId6"/>
+    <p:notesMasterId r:id="rId5"/>
   </p:notesMasterIdLst>
   <p:sldIdLst>
     <p:sldId id="256" r:id="rId2"/>
     <p:sldId id="257" r:id="rId3"/>
     <p:sldId id="258" r:id="rId4"/>
-    <p:sldId id="259" r:id="rId5"/>
   </p:sldIdLst>
   <p:sldSz cx="9144000" cy="5143500" type="screen16x9"/>
   <p:notesSz cx="6858000" cy="9144000"/>
@@ -1157,128 +1156,6 @@
       <p:sp>
         <p:nvSpPr>
           <p:cNvPr id="64" name="Google Shape;64;p3:notes"/>
-          <p:cNvSpPr txBox="1">
-            <a:spLocks noGrp="1"/>
-          </p:cNvSpPr>
-          <p:nvPr>
-            <p:ph type="body" idx="1"/>
-          </p:nvPr>
-        </p:nvSpPr>
-        <p:spPr>
-          <a:xfrm>
-            <a:off x="685800" y="4343400"/>
-            <a:ext cx="5486400" cy="4114800"/>
-          </a:xfrm>
-          <a:prstGeom prst="rect">
-            <a:avLst/>
-          </a:prstGeom>
-          <a:noFill/>
-          <a:ln>
-            <a:noFill/>
-          </a:ln>
-        </p:spPr>
-        <p:txBody>
-          <a:bodyPr spcFirstLastPara="1" wrap="square" lIns="91425" tIns="91425" rIns="91425" bIns="91425" anchor="t" anchorCtr="0">
-            <a:noAutofit/>
-          </a:bodyPr>
-          <a:lstStyle/>
-          <a:p>
-            <a:pPr marL="0" lvl="0" indent="0" algn="l" rtl="0">
-              <a:lnSpc>
-                <a:spcPct val="100000"/>
-              </a:lnSpc>
-              <a:spcBef>
-                <a:spcPts val="0"/>
-              </a:spcBef>
-              <a:spcAft>
-                <a:spcPts val="0"/>
-              </a:spcAft>
-              <a:buSzPts val="1100"/>
-              <a:buNone/>
-            </a:pPr>
-            <a:endParaRPr/>
-          </a:p>
-        </p:txBody>
-      </p:sp>
-    </p:spTree>
-  </p:cSld>
-  <p:clrMapOvr>
-    <a:masterClrMapping/>
-  </p:clrMapOvr>
-</p:notes>
-</file>
-
-<file path=ppt/notesSlides/notesSlide4.xml><?xml version="1.0" encoding="utf-8"?>
-<p:notes xmlns:a="http://schemas.openxmlformats.org/drawingml/2006/main" xmlns:r="http://schemas.openxmlformats.org/officeDocument/2006/relationships" xmlns:p="http://schemas.openxmlformats.org/presentationml/2006/main" showMasterSp="0" showMasterPhAnim="0">
-  <p:cSld>
-    <p:spTree>
-      <p:nvGrpSpPr>
-        <p:cNvPr id="1" name="Shape 68"/>
-        <p:cNvGrpSpPr/>
-        <p:nvPr/>
-      </p:nvGrpSpPr>
-      <p:grpSpPr>
-        <a:xfrm>
-          <a:off x="0" y="0"/>
-          <a:ext cx="0" cy="0"/>
-          <a:chOff x="0" y="0"/>
-          <a:chExt cx="0" cy="0"/>
-        </a:xfrm>
-      </p:grpSpPr>
-      <p:sp>
-        <p:nvSpPr>
-          <p:cNvPr id="69" name="Google Shape;69;p4:notes"/>
-          <p:cNvSpPr>
-            <a:spLocks noGrp="1" noRot="1" noChangeAspect="1"/>
-          </p:cNvSpPr>
-          <p:nvPr>
-            <p:ph type="sldImg" idx="2"/>
-          </p:nvPr>
-        </p:nvSpPr>
-        <p:spPr>
-          <a:xfrm>
-            <a:off x="381000" y="685800"/>
-            <a:ext cx="6096000" cy="3429000"/>
-          </a:xfrm>
-          <a:custGeom>
-            <a:avLst/>
-            <a:gdLst/>
-            <a:ahLst/>
-            <a:cxnLst/>
-            <a:rect l="l" t="t" r="r" b="b"/>
-            <a:pathLst>
-              <a:path w="120000" h="120000" extrusionOk="0">
-                <a:moveTo>
-                  <a:pt x="0" y="0"/>
-                </a:moveTo>
-                <a:lnTo>
-                  <a:pt x="120000" y="0"/>
-                </a:lnTo>
-                <a:lnTo>
-                  <a:pt x="120000" y="120000"/>
-                </a:lnTo>
-                <a:lnTo>
-                  <a:pt x="0" y="120000"/>
-                </a:lnTo>
-                <a:close/>
-              </a:path>
-            </a:pathLst>
-          </a:custGeom>
-          <a:noFill/>
-          <a:ln w="9525" cap="flat" cmpd="sng">
-            <a:solidFill>
-              <a:srgbClr val="000000"/>
-            </a:solidFill>
-            <a:prstDash val="solid"/>
-            <a:round/>
-            <a:headEnd type="none" w="sm" len="sm"/>
-            <a:tailEnd type="none" w="sm" len="sm"/>
-          </a:ln>
-        </p:spPr>
-      </p:sp>
-      <p:sp>
-        <p:nvSpPr>
-          <p:cNvPr id="70" name="Google Shape;70;p4:notes"/>
           <p:cNvSpPr txBox="1">
             <a:spLocks noGrp="1"/>
           </p:cNvSpPr>
@@ -10169,2134 +10046,6 @@
 </p:sld>
 </file>
 
-<file path=ppt/slides/slide4.xml><?xml version="1.0" encoding="utf-8"?>
-<p:sld xmlns:a="http://schemas.openxmlformats.org/drawingml/2006/main" xmlns:r="http://schemas.openxmlformats.org/officeDocument/2006/relationships" xmlns:p="http://schemas.openxmlformats.org/presentationml/2006/main">
-  <p:cSld>
-    <p:spTree>
-      <p:nvGrpSpPr>
-        <p:cNvPr id="1" name="Shape 71"/>
-        <p:cNvGrpSpPr/>
-        <p:nvPr/>
-      </p:nvGrpSpPr>
-      <p:grpSpPr>
-        <a:xfrm>
-          <a:off x="0" y="0"/>
-          <a:ext cx="0" cy="0"/>
-          <a:chOff x="0" y="0"/>
-          <a:chExt cx="0" cy="0"/>
-        </a:xfrm>
-      </p:grpSpPr>
-      <p:sp>
-        <p:nvSpPr>
-          <p:cNvPr id="72" name="Google Shape;72;p16"/>
-          <p:cNvSpPr txBox="1">
-            <a:spLocks noGrp="1"/>
-          </p:cNvSpPr>
-          <p:nvPr>
-            <p:ph type="body" idx="1"/>
-          </p:nvPr>
-        </p:nvSpPr>
-        <p:spPr>
-          <a:xfrm>
-            <a:off x="311700" y="1152475"/>
-            <a:ext cx="8520600" cy="3416400"/>
-          </a:xfrm>
-          <a:prstGeom prst="rect">
-            <a:avLst/>
-          </a:prstGeom>
-          <a:noFill/>
-          <a:ln>
-            <a:noFill/>
-          </a:ln>
-        </p:spPr>
-        <p:txBody>
-          <a:bodyPr spcFirstLastPara="1" wrap="square" lIns="91425" tIns="91425" rIns="91425" bIns="91425" anchor="t" anchorCtr="0">
-            <a:noAutofit/>
-          </a:bodyPr>
-          <a:lstStyle/>
-          <a:p>
-            <a:pPr marL="457200" lvl="0" indent="-323850" algn="l" rtl="0">
-              <a:lnSpc>
-                <a:spcPct val="115000"/>
-              </a:lnSpc>
-              <a:spcBef>
-                <a:spcPts val="0"/>
-              </a:spcBef>
-              <a:spcAft>
-                <a:spcPts val="0"/>
-              </a:spcAft>
-              <a:buSzPts val="1500"/>
-              <a:buChar char="●"/>
-            </a:pPr>
-            <a:r>
-              <a:rPr lang="en" sz="1500"/>
-              <a:t>Languages</a:t>
-            </a:r>
-            <a:endParaRPr sz="1500"/>
-          </a:p>
-          <a:p>
-            <a:pPr marL="914400" lvl="1" indent="-298450" algn="l" rtl="0">
-              <a:lnSpc>
-                <a:spcPct val="115000"/>
-              </a:lnSpc>
-              <a:spcBef>
-                <a:spcPts val="0"/>
-              </a:spcBef>
-              <a:spcAft>
-                <a:spcPts val="0"/>
-              </a:spcAft>
-              <a:buSzPts val="1100"/>
-              <a:buChar char="○"/>
-            </a:pPr>
-            <a:r>
-              <a:rPr lang="en" sz="1100"/>
-              <a:t>Domain Specific</a:t>
-            </a:r>
-            <a:br>
-              <a:rPr lang="en" sz="1100"/>
-            </a:br>
-            <a:br>
-              <a:rPr lang="en" sz="1100"/>
-            </a:br>
-            <a:endParaRPr sz="1100"/>
-          </a:p>
-          <a:p>
-            <a:pPr marL="457200" lvl="0" indent="-323850" algn="l" rtl="0">
-              <a:lnSpc>
-                <a:spcPct val="115000"/>
-              </a:lnSpc>
-              <a:spcBef>
-                <a:spcPts val="0"/>
-              </a:spcBef>
-              <a:spcAft>
-                <a:spcPts val="0"/>
-              </a:spcAft>
-              <a:buSzPts val="1500"/>
-              <a:buChar char="●"/>
-            </a:pPr>
-            <a:r>
-              <a:rPr lang="en" sz="1500"/>
-              <a:t>Compilers &amp; Interpreters</a:t>
-            </a:r>
-            <a:endParaRPr sz="1500"/>
-          </a:p>
-          <a:p>
-            <a:pPr marL="914400" lvl="1" indent="-298450" algn="l" rtl="0">
-              <a:lnSpc>
-                <a:spcPct val="115000"/>
-              </a:lnSpc>
-              <a:spcBef>
-                <a:spcPts val="0"/>
-              </a:spcBef>
-              <a:spcAft>
-                <a:spcPts val="0"/>
-              </a:spcAft>
-              <a:buSzPts val="1100"/>
-              <a:buChar char="○"/>
-            </a:pPr>
-            <a:r>
-              <a:rPr lang="en" sz="1100"/>
-              <a:t>Analysis</a:t>
-            </a:r>
-            <a:endParaRPr sz="1100"/>
-          </a:p>
-          <a:p>
-            <a:pPr marL="1371600" lvl="2" indent="-298450" algn="l" rtl="0">
-              <a:lnSpc>
-                <a:spcPct val="115000"/>
-              </a:lnSpc>
-              <a:spcBef>
-                <a:spcPts val="0"/>
-              </a:spcBef>
-              <a:spcAft>
-                <a:spcPts val="0"/>
-              </a:spcAft>
-              <a:buSzPts val="1100"/>
-              <a:buChar char="■"/>
-            </a:pPr>
-            <a:r>
-              <a:rPr lang="en" sz="1100"/>
-              <a:t>lexicographical</a:t>
-            </a:r>
-            <a:endParaRPr sz="1100"/>
-          </a:p>
-          <a:p>
-            <a:pPr marL="1371600" lvl="2" indent="-298450" algn="l" rtl="0">
-              <a:lnSpc>
-                <a:spcPct val="115000"/>
-              </a:lnSpc>
-              <a:spcBef>
-                <a:spcPts val="0"/>
-              </a:spcBef>
-              <a:spcAft>
-                <a:spcPts val="0"/>
-              </a:spcAft>
-              <a:buSzPts val="1100"/>
-              <a:buChar char="■"/>
-            </a:pPr>
-            <a:r>
-              <a:rPr lang="en" sz="1100"/>
-              <a:t>syntaxical</a:t>
-            </a:r>
-            <a:endParaRPr sz="1100"/>
-          </a:p>
-          <a:p>
-            <a:pPr marL="1371600" lvl="2" indent="-298450" algn="l" rtl="0">
-              <a:lnSpc>
-                <a:spcPct val="115000"/>
-              </a:lnSpc>
-              <a:spcBef>
-                <a:spcPts val="0"/>
-              </a:spcBef>
-              <a:spcAft>
-                <a:spcPts val="0"/>
-              </a:spcAft>
-              <a:buSzPts val="1100"/>
-              <a:buChar char="■"/>
-            </a:pPr>
-            <a:r>
-              <a:rPr lang="en" sz="1100"/>
-              <a:t>semantics</a:t>
-            </a:r>
-            <a:endParaRPr sz="1100"/>
-          </a:p>
-          <a:p>
-            <a:pPr marL="914400" lvl="1" indent="-298450" algn="l" rtl="0">
-              <a:lnSpc>
-                <a:spcPct val="115000"/>
-              </a:lnSpc>
-              <a:spcBef>
-                <a:spcPts val="0"/>
-              </a:spcBef>
-              <a:spcAft>
-                <a:spcPts val="0"/>
-              </a:spcAft>
-              <a:buSzPts val="1100"/>
-              <a:buChar char="○"/>
-            </a:pPr>
-            <a:r>
-              <a:rPr lang="en" sz="1100"/>
-              <a:t>Language Optimization</a:t>
-            </a:r>
-            <a:endParaRPr sz="1100"/>
-          </a:p>
-          <a:p>
-            <a:pPr marL="914400" lvl="1" indent="-298450" algn="l" rtl="0">
-              <a:lnSpc>
-                <a:spcPct val="115000"/>
-              </a:lnSpc>
-              <a:spcBef>
-                <a:spcPts val="0"/>
-              </a:spcBef>
-              <a:spcAft>
-                <a:spcPts val="0"/>
-              </a:spcAft>
-              <a:buSzPts val="1100"/>
-              <a:buChar char="○"/>
-            </a:pPr>
-            <a:r>
-              <a:rPr lang="en" sz="1100"/>
-              <a:t>Machine Optimization</a:t>
-            </a:r>
-            <a:endParaRPr sz="1100"/>
-          </a:p>
-          <a:p>
-            <a:pPr marL="914400" lvl="1" indent="-298450" algn="l" rtl="0">
-              <a:lnSpc>
-                <a:spcPct val="115000"/>
-              </a:lnSpc>
-              <a:spcBef>
-                <a:spcPts val="0"/>
-              </a:spcBef>
-              <a:spcAft>
-                <a:spcPts val="0"/>
-              </a:spcAft>
-              <a:buSzPts val="1100"/>
-              <a:buChar char="○"/>
-            </a:pPr>
-            <a:r>
-              <a:rPr lang="en" sz="1100"/>
-              <a:t>Translation:  TAC → MIPS</a:t>
-            </a:r>
-            <a:br>
-              <a:rPr lang="en" sz="1100"/>
-            </a:br>
-            <a:endParaRPr sz="1100"/>
-          </a:p>
-          <a:p>
-            <a:pPr marL="457200" lvl="0" indent="-323850" algn="l" rtl="0">
-              <a:lnSpc>
-                <a:spcPct val="115000"/>
-              </a:lnSpc>
-              <a:spcBef>
-                <a:spcPts val="0"/>
-              </a:spcBef>
-              <a:spcAft>
-                <a:spcPts val="0"/>
-              </a:spcAft>
-              <a:buSzPts val="1500"/>
-              <a:buChar char="●"/>
-            </a:pPr>
-            <a:r>
-              <a:rPr lang="en" sz="1500"/>
-              <a:t>Hardware</a:t>
-            </a:r>
-            <a:endParaRPr sz="1500"/>
-          </a:p>
-          <a:p>
-            <a:pPr marL="914400" lvl="1" indent="-298450" algn="l" rtl="0">
-              <a:lnSpc>
-                <a:spcPct val="115000"/>
-              </a:lnSpc>
-              <a:spcBef>
-                <a:spcPts val="0"/>
-              </a:spcBef>
-              <a:spcAft>
-                <a:spcPts val="0"/>
-              </a:spcAft>
-              <a:buSzPts val="1100"/>
-              <a:buChar char="○"/>
-            </a:pPr>
-            <a:r>
-              <a:rPr lang="en" sz="1100"/>
-              <a:t>General Types: Registers / Stack</a:t>
-            </a:r>
-            <a:endParaRPr sz="1100"/>
-          </a:p>
-          <a:p>
-            <a:pPr marL="914400" lvl="1" indent="-298450" algn="l" rtl="0">
-              <a:lnSpc>
-                <a:spcPct val="115000"/>
-              </a:lnSpc>
-              <a:spcBef>
-                <a:spcPts val="0"/>
-              </a:spcBef>
-              <a:spcAft>
-                <a:spcPts val="0"/>
-              </a:spcAft>
-              <a:buSzPts val="1100"/>
-              <a:buChar char="○"/>
-            </a:pPr>
-            <a:r>
-              <a:rPr lang="en" sz="1100"/>
-              <a:t>Specific CPU Controls</a:t>
-            </a:r>
-            <a:br>
-              <a:rPr lang="en" sz="1100"/>
-            </a:br>
-            <a:endParaRPr sz="1000"/>
-          </a:p>
-          <a:p>
-            <a:pPr marL="457200" lvl="0" indent="-323850" algn="l" rtl="0">
-              <a:lnSpc>
-                <a:spcPct val="115000"/>
-              </a:lnSpc>
-              <a:spcBef>
-                <a:spcPts val="0"/>
-              </a:spcBef>
-              <a:spcAft>
-                <a:spcPts val="0"/>
-              </a:spcAft>
-              <a:buSzPts val="1500"/>
-              <a:buChar char="●"/>
-            </a:pPr>
-            <a:r>
-              <a:rPr lang="en" sz="1500"/>
-              <a:t>CLI: compilation exercise</a:t>
-            </a:r>
-            <a:endParaRPr sz="1500"/>
-          </a:p>
-        </p:txBody>
-      </p:sp>
-      <p:sp>
-        <p:nvSpPr>
-          <p:cNvPr id="73" name="Google Shape;73;p16"/>
-          <p:cNvSpPr/>
-          <p:nvPr/>
-        </p:nvSpPr>
-        <p:spPr>
-          <a:xfrm>
-            <a:off x="3457627" y="1578675"/>
-            <a:ext cx="2027400" cy="1150200"/>
-          </a:xfrm>
-          <a:prstGeom prst="rect">
-            <a:avLst/>
-          </a:prstGeom>
-          <a:solidFill>
-            <a:schemeClr val="lt2"/>
-          </a:solidFill>
-          <a:ln w="9525" cap="flat" cmpd="sng">
-            <a:solidFill>
-              <a:schemeClr val="dk2"/>
-            </a:solidFill>
-            <a:prstDash val="solid"/>
-            <a:round/>
-            <a:headEnd type="none" w="sm" len="sm"/>
-            <a:tailEnd type="none" w="sm" len="sm"/>
-          </a:ln>
-        </p:spPr>
-        <p:txBody>
-          <a:bodyPr spcFirstLastPara="1" wrap="square" lIns="91425" tIns="91425" rIns="91425" bIns="91425" anchor="ctr" anchorCtr="0">
-            <a:noAutofit/>
-          </a:bodyPr>
-          <a:lstStyle/>
-          <a:p>
-            <a:pPr marL="0" marR="0" lvl="0" indent="0" algn="l" rtl="0">
-              <a:lnSpc>
-                <a:spcPct val="100000"/>
-              </a:lnSpc>
-              <a:spcBef>
-                <a:spcPts val="0"/>
-              </a:spcBef>
-              <a:spcAft>
-                <a:spcPts val="0"/>
-              </a:spcAft>
-              <a:buClr>
-                <a:srgbClr val="000000"/>
-              </a:buClr>
-              <a:buSzPts val="1400"/>
-              <a:buFont typeface="Arial"/>
-              <a:buNone/>
-            </a:pPr>
-            <a:endParaRPr sz="1400" b="0" i="0" u="none" strike="noStrike" cap="none">
-              <a:solidFill>
-                <a:srgbClr val="000000"/>
-              </a:solidFill>
-              <a:latin typeface="Arial"/>
-              <a:ea typeface="Arial"/>
-              <a:cs typeface="Arial"/>
-              <a:sym typeface="Arial"/>
-            </a:endParaRPr>
-          </a:p>
-        </p:txBody>
-      </p:sp>
-      <p:sp>
-        <p:nvSpPr>
-          <p:cNvPr id="74" name="Google Shape;74;p16"/>
-          <p:cNvSpPr/>
-          <p:nvPr/>
-        </p:nvSpPr>
-        <p:spPr>
-          <a:xfrm>
-            <a:off x="3770469" y="1941075"/>
-            <a:ext cx="1216200" cy="186600"/>
-          </a:xfrm>
-          <a:prstGeom prst="rect">
-            <a:avLst/>
-          </a:prstGeom>
-          <a:solidFill>
-            <a:schemeClr val="lt2"/>
-          </a:solidFill>
-          <a:ln w="9525" cap="flat" cmpd="sng">
-            <a:solidFill>
-              <a:schemeClr val="dk2"/>
-            </a:solidFill>
-            <a:prstDash val="solid"/>
-            <a:round/>
-            <a:headEnd type="none" w="sm" len="sm"/>
-            <a:tailEnd type="none" w="sm" len="sm"/>
-          </a:ln>
-        </p:spPr>
-        <p:txBody>
-          <a:bodyPr spcFirstLastPara="1" wrap="square" lIns="91425" tIns="91425" rIns="91425" bIns="91425" anchor="ctr" anchorCtr="0">
-            <a:noAutofit/>
-          </a:bodyPr>
-          <a:lstStyle/>
-          <a:p>
-            <a:pPr marL="0" marR="0" lvl="0" indent="0" algn="l" rtl="0">
-              <a:lnSpc>
-                <a:spcPct val="100000"/>
-              </a:lnSpc>
-              <a:spcBef>
-                <a:spcPts val="0"/>
-              </a:spcBef>
-              <a:spcAft>
-                <a:spcPts val="0"/>
-              </a:spcAft>
-              <a:buClr>
-                <a:srgbClr val="000000"/>
-              </a:buClr>
-              <a:buSzPts val="1200"/>
-              <a:buFont typeface="Arial"/>
-              <a:buNone/>
-            </a:pPr>
-            <a:r>
-              <a:rPr lang="en" sz="1200" b="0" i="0" u="none" strike="noStrike" cap="none">
-                <a:solidFill>
-                  <a:srgbClr val="000000"/>
-                </a:solidFill>
-                <a:latin typeface="Arial"/>
-                <a:ea typeface="Arial"/>
-                <a:cs typeface="Arial"/>
-                <a:sym typeface="Arial"/>
-              </a:rPr>
-              <a:t>Source:      .i</a:t>
-            </a:r>
-            <a:endParaRPr sz="1200" b="0" i="0" u="none" strike="noStrike" cap="none">
-              <a:solidFill>
-                <a:srgbClr val="000000"/>
-              </a:solidFill>
-              <a:latin typeface="Arial"/>
-              <a:ea typeface="Arial"/>
-              <a:cs typeface="Arial"/>
-              <a:sym typeface="Arial"/>
-            </a:endParaRPr>
-          </a:p>
-        </p:txBody>
-      </p:sp>
-      <p:sp>
-        <p:nvSpPr>
-          <p:cNvPr id="75" name="Google Shape;75;p16"/>
-          <p:cNvSpPr txBox="1">
-            <a:spLocks noGrp="1"/>
-          </p:cNvSpPr>
-          <p:nvPr>
-            <p:ph type="title"/>
-          </p:nvPr>
-        </p:nvSpPr>
-        <p:spPr>
-          <a:xfrm>
-            <a:off x="311700" y="445025"/>
-            <a:ext cx="8520600" cy="572700"/>
-          </a:xfrm>
-          <a:prstGeom prst="rect">
-            <a:avLst/>
-          </a:prstGeom>
-          <a:noFill/>
-          <a:ln>
-            <a:noFill/>
-          </a:ln>
-        </p:spPr>
-        <p:txBody>
-          <a:bodyPr spcFirstLastPara="1" wrap="square" lIns="91425" tIns="91425" rIns="91425" bIns="91425" anchor="t" anchorCtr="0">
-            <a:normAutofit fontScale="90000"/>
-          </a:bodyPr>
-          <a:lstStyle/>
-          <a:p>
-            <a:pPr marL="0" lvl="0" indent="0" algn="l" rtl="0">
-              <a:lnSpc>
-                <a:spcPct val="100000"/>
-              </a:lnSpc>
-              <a:spcBef>
-                <a:spcPts val="0"/>
-              </a:spcBef>
-              <a:spcAft>
-                <a:spcPts val="0"/>
-              </a:spcAft>
-              <a:buSzPct val="111111"/>
-              <a:buNone/>
-            </a:pPr>
-            <a:r>
-              <a:rPr lang="en"/>
-              <a:t>Landscape: Languages, Compilers, and Hardware:</a:t>
-            </a:r>
-            <a:endParaRPr/>
-          </a:p>
-        </p:txBody>
-      </p:sp>
-      <p:sp>
-        <p:nvSpPr>
-          <p:cNvPr id="76" name="Google Shape;76;p16"/>
-          <p:cNvSpPr/>
-          <p:nvPr/>
-        </p:nvSpPr>
-        <p:spPr>
-          <a:xfrm>
-            <a:off x="5404075" y="924400"/>
-            <a:ext cx="1806732" cy="772092"/>
-          </a:xfrm>
-          <a:prstGeom prst="cloud">
-            <a:avLst/>
-          </a:prstGeom>
-          <a:solidFill>
-            <a:schemeClr val="lt2"/>
-          </a:solidFill>
-          <a:ln w="9525" cap="flat" cmpd="sng">
-            <a:solidFill>
-              <a:schemeClr val="dk2"/>
-            </a:solidFill>
-            <a:prstDash val="solid"/>
-            <a:round/>
-            <a:headEnd type="none" w="sm" len="sm"/>
-            <a:tailEnd type="none" w="sm" len="sm"/>
-          </a:ln>
-        </p:spPr>
-        <p:txBody>
-          <a:bodyPr spcFirstLastPara="1" wrap="square" lIns="91425" tIns="91425" rIns="91425" bIns="91425" anchor="ctr" anchorCtr="0">
-            <a:noAutofit/>
-          </a:bodyPr>
-          <a:lstStyle/>
-          <a:p>
-            <a:pPr marL="0" marR="0" lvl="0" indent="0" algn="ctr" rtl="0">
-              <a:lnSpc>
-                <a:spcPct val="100000"/>
-              </a:lnSpc>
-              <a:spcBef>
-                <a:spcPts val="0"/>
-              </a:spcBef>
-              <a:spcAft>
-                <a:spcPts val="0"/>
-              </a:spcAft>
-              <a:buClr>
-                <a:srgbClr val="000000"/>
-              </a:buClr>
-              <a:buSzPts val="1400"/>
-              <a:buFont typeface="Arial"/>
-              <a:buNone/>
-            </a:pPr>
-            <a:r>
-              <a:rPr lang="en" sz="1400" b="0" i="0" u="none" strike="noStrike" cap="none">
-                <a:solidFill>
-                  <a:srgbClr val="000000"/>
-                </a:solidFill>
-                <a:latin typeface="Arial"/>
-                <a:ea typeface="Arial"/>
-                <a:cs typeface="Arial"/>
-                <a:sym typeface="Arial"/>
-              </a:rPr>
-              <a:t>Languages</a:t>
-            </a:r>
-            <a:endParaRPr sz="1400" b="0" i="0" u="none" strike="noStrike" cap="none">
-              <a:solidFill>
-                <a:srgbClr val="000000"/>
-              </a:solidFill>
-              <a:latin typeface="Arial"/>
-              <a:ea typeface="Arial"/>
-              <a:cs typeface="Arial"/>
-              <a:sym typeface="Arial"/>
-            </a:endParaRPr>
-          </a:p>
-        </p:txBody>
-      </p:sp>
-      <p:sp>
-        <p:nvSpPr>
-          <p:cNvPr id="77" name="Google Shape;77;p16"/>
-          <p:cNvSpPr/>
-          <p:nvPr/>
-        </p:nvSpPr>
-        <p:spPr>
-          <a:xfrm>
-            <a:off x="5404075" y="3591400"/>
-            <a:ext cx="1806732" cy="772092"/>
-          </a:xfrm>
-          <a:prstGeom prst="cloud">
-            <a:avLst/>
-          </a:prstGeom>
-          <a:solidFill>
-            <a:schemeClr val="lt2"/>
-          </a:solidFill>
-          <a:ln w="9525" cap="flat" cmpd="sng">
-            <a:solidFill>
-              <a:schemeClr val="dk2"/>
-            </a:solidFill>
-            <a:prstDash val="solid"/>
-            <a:round/>
-            <a:headEnd type="none" w="sm" len="sm"/>
-            <a:tailEnd type="none" w="sm" len="sm"/>
-          </a:ln>
-        </p:spPr>
-        <p:txBody>
-          <a:bodyPr spcFirstLastPara="1" wrap="square" lIns="91425" tIns="91425" rIns="91425" bIns="91425" anchor="ctr" anchorCtr="0">
-            <a:noAutofit/>
-          </a:bodyPr>
-          <a:lstStyle/>
-          <a:p>
-            <a:pPr marL="0" marR="0" lvl="0" indent="0" algn="ctr" rtl="0">
-              <a:lnSpc>
-                <a:spcPct val="100000"/>
-              </a:lnSpc>
-              <a:spcBef>
-                <a:spcPts val="0"/>
-              </a:spcBef>
-              <a:spcAft>
-                <a:spcPts val="0"/>
-              </a:spcAft>
-              <a:buClr>
-                <a:srgbClr val="000000"/>
-              </a:buClr>
-              <a:buSzPts val="1400"/>
-              <a:buFont typeface="Arial"/>
-              <a:buNone/>
-            </a:pPr>
-            <a:r>
-              <a:rPr lang="en" sz="1400" b="0" i="0" u="none" strike="noStrike" cap="none">
-                <a:solidFill>
-                  <a:srgbClr val="000000"/>
-                </a:solidFill>
-                <a:latin typeface="Arial"/>
-                <a:ea typeface="Arial"/>
-                <a:cs typeface="Arial"/>
-                <a:sym typeface="Arial"/>
-              </a:rPr>
-              <a:t>Hardware</a:t>
-            </a:r>
-            <a:endParaRPr sz="1400" b="0" i="0" u="none" strike="noStrike" cap="none">
-              <a:solidFill>
-                <a:srgbClr val="000000"/>
-              </a:solidFill>
-              <a:latin typeface="Arial"/>
-              <a:ea typeface="Arial"/>
-              <a:cs typeface="Arial"/>
-              <a:sym typeface="Arial"/>
-            </a:endParaRPr>
-          </a:p>
-        </p:txBody>
-      </p:sp>
-      <p:sp>
-        <p:nvSpPr>
-          <p:cNvPr id="78" name="Google Shape;78;p16"/>
-          <p:cNvSpPr/>
-          <p:nvPr/>
-        </p:nvSpPr>
-        <p:spPr>
-          <a:xfrm>
-            <a:off x="6083200" y="1763050"/>
-            <a:ext cx="448500" cy="1828200"/>
-          </a:xfrm>
-          <a:prstGeom prst="downArrow">
-            <a:avLst>
-              <a:gd name="adj1" fmla="val 50000"/>
-              <a:gd name="adj2" fmla="val 50000"/>
-            </a:avLst>
-          </a:prstGeom>
-          <a:solidFill>
-            <a:schemeClr val="lt2"/>
-          </a:solidFill>
-          <a:ln w="9525" cap="flat" cmpd="sng">
-            <a:solidFill>
-              <a:schemeClr val="dk2"/>
-            </a:solidFill>
-            <a:prstDash val="solid"/>
-            <a:round/>
-            <a:headEnd type="none" w="sm" len="sm"/>
-            <a:tailEnd type="none" w="sm" len="sm"/>
-          </a:ln>
-        </p:spPr>
-        <p:txBody>
-          <a:bodyPr spcFirstLastPara="1" wrap="square" lIns="91425" tIns="91425" rIns="91425" bIns="91425" anchor="ctr" anchorCtr="0">
-            <a:noAutofit/>
-          </a:bodyPr>
-          <a:lstStyle/>
-          <a:p>
-            <a:pPr marL="0" marR="0" lvl="0" indent="0" algn="l" rtl="0">
-              <a:lnSpc>
-                <a:spcPct val="100000"/>
-              </a:lnSpc>
-              <a:spcBef>
-                <a:spcPts val="0"/>
-              </a:spcBef>
-              <a:spcAft>
-                <a:spcPts val="0"/>
-              </a:spcAft>
-              <a:buClr>
-                <a:srgbClr val="000000"/>
-              </a:buClr>
-              <a:buSzPts val="1400"/>
-              <a:buFont typeface="Arial"/>
-              <a:buNone/>
-            </a:pPr>
-            <a:endParaRPr sz="1400" b="0" i="0" u="none" strike="noStrike" cap="none">
-              <a:solidFill>
-                <a:srgbClr val="000000"/>
-              </a:solidFill>
-              <a:latin typeface="Arial"/>
-              <a:ea typeface="Arial"/>
-              <a:cs typeface="Arial"/>
-              <a:sym typeface="Arial"/>
-            </a:endParaRPr>
-          </a:p>
-        </p:txBody>
-      </p:sp>
-      <p:sp>
-        <p:nvSpPr>
-          <p:cNvPr id="79" name="Google Shape;79;p16"/>
-          <p:cNvSpPr txBox="1"/>
-          <p:nvPr/>
-        </p:nvSpPr>
-        <p:spPr>
-          <a:xfrm>
-            <a:off x="5649991" y="2691325"/>
-            <a:ext cx="1314900" cy="338700"/>
-          </a:xfrm>
-          <a:prstGeom prst="rect">
-            <a:avLst/>
-          </a:prstGeom>
-          <a:solidFill>
-            <a:srgbClr val="FFFFFF"/>
-          </a:solidFill>
-          <a:ln w="9525" cap="flat" cmpd="sng">
-            <a:solidFill>
-              <a:srgbClr val="999999"/>
-            </a:solidFill>
-            <a:prstDash val="solid"/>
-            <a:round/>
-            <a:headEnd type="none" w="sm" len="sm"/>
-            <a:tailEnd type="none" w="sm" len="sm"/>
-          </a:ln>
-        </p:spPr>
-        <p:txBody>
-          <a:bodyPr spcFirstLastPara="1" wrap="square" lIns="91425" tIns="91425" rIns="91425" bIns="91425" anchor="t" anchorCtr="0">
-            <a:spAutoFit/>
-          </a:bodyPr>
-          <a:lstStyle/>
-          <a:p>
-            <a:pPr marL="0" marR="0" lvl="0" indent="0" algn="ctr" rtl="0">
-              <a:lnSpc>
-                <a:spcPct val="100000"/>
-              </a:lnSpc>
-              <a:spcBef>
-                <a:spcPts val="0"/>
-              </a:spcBef>
-              <a:spcAft>
-                <a:spcPts val="0"/>
-              </a:spcAft>
-              <a:buClr>
-                <a:srgbClr val="000000"/>
-              </a:buClr>
-              <a:buSzPts val="1000"/>
-              <a:buFont typeface="Arial"/>
-              <a:buNone/>
-            </a:pPr>
-            <a:r>
-              <a:rPr lang="en" sz="1000" b="0" i="0" u="none" strike="noStrike" cap="none">
-                <a:solidFill>
-                  <a:srgbClr val="000000"/>
-                </a:solidFill>
-                <a:latin typeface="Arial"/>
-                <a:ea typeface="Arial"/>
-                <a:cs typeface="Arial"/>
-                <a:sym typeface="Arial"/>
-              </a:rPr>
-              <a:t>Translation Process</a:t>
-            </a:r>
-            <a:endParaRPr sz="1000" b="0" i="0" u="none" strike="noStrike" cap="none">
-              <a:solidFill>
-                <a:srgbClr val="000000"/>
-              </a:solidFill>
-              <a:latin typeface="Arial"/>
-              <a:ea typeface="Arial"/>
-              <a:cs typeface="Arial"/>
-              <a:sym typeface="Arial"/>
-            </a:endParaRPr>
-          </a:p>
-        </p:txBody>
-      </p:sp>
-      <p:sp>
-        <p:nvSpPr>
-          <p:cNvPr id="80" name="Google Shape;80;p16"/>
-          <p:cNvSpPr/>
-          <p:nvPr/>
-        </p:nvSpPr>
-        <p:spPr>
-          <a:xfrm>
-            <a:off x="7533600" y="1045175"/>
-            <a:ext cx="1463700" cy="338700"/>
-          </a:xfrm>
-          <a:prstGeom prst="rect">
-            <a:avLst/>
-          </a:prstGeom>
-          <a:solidFill>
-            <a:schemeClr val="lt2"/>
-          </a:solidFill>
-          <a:ln w="9525" cap="flat" cmpd="sng">
-            <a:solidFill>
-              <a:schemeClr val="dk2"/>
-            </a:solidFill>
-            <a:prstDash val="solid"/>
-            <a:round/>
-            <a:headEnd type="none" w="sm" len="sm"/>
-            <a:tailEnd type="none" w="sm" len="sm"/>
-          </a:ln>
-        </p:spPr>
-        <p:txBody>
-          <a:bodyPr spcFirstLastPara="1" wrap="square" lIns="91425" tIns="91425" rIns="91425" bIns="91425" anchor="ctr" anchorCtr="0">
-            <a:noAutofit/>
-          </a:bodyPr>
-          <a:lstStyle/>
-          <a:p>
-            <a:pPr marL="0" marR="0" lvl="0" indent="0" algn="l" rtl="0">
-              <a:lnSpc>
-                <a:spcPct val="100000"/>
-              </a:lnSpc>
-              <a:spcBef>
-                <a:spcPts val="0"/>
-              </a:spcBef>
-              <a:spcAft>
-                <a:spcPts val="0"/>
-              </a:spcAft>
-              <a:buClr>
-                <a:srgbClr val="000000"/>
-              </a:buClr>
-              <a:buSzPts val="1200"/>
-              <a:buFont typeface="Arial"/>
-              <a:buNone/>
-            </a:pPr>
-            <a:r>
-              <a:rPr lang="en" sz="1200" b="0" i="0" u="none" strike="noStrike" cap="none">
-                <a:solidFill>
-                  <a:srgbClr val="000000"/>
-                </a:solidFill>
-                <a:latin typeface="Arial"/>
-                <a:ea typeface="Arial"/>
-                <a:cs typeface="Arial"/>
-                <a:sym typeface="Arial"/>
-              </a:rPr>
-              <a:t>Source:      .java</a:t>
-            </a:r>
-            <a:endParaRPr sz="1200" b="0" i="0" u="none" strike="noStrike" cap="none">
-              <a:solidFill>
-                <a:srgbClr val="000000"/>
-              </a:solidFill>
-              <a:latin typeface="Arial"/>
-              <a:ea typeface="Arial"/>
-              <a:cs typeface="Arial"/>
-              <a:sym typeface="Arial"/>
-            </a:endParaRPr>
-          </a:p>
-        </p:txBody>
-      </p:sp>
-      <p:sp>
-        <p:nvSpPr>
-          <p:cNvPr id="81" name="Google Shape;81;p16"/>
-          <p:cNvSpPr/>
-          <p:nvPr/>
-        </p:nvSpPr>
-        <p:spPr>
-          <a:xfrm>
-            <a:off x="3647000" y="2322075"/>
-            <a:ext cx="1463700" cy="338700"/>
-          </a:xfrm>
-          <a:prstGeom prst="rect">
-            <a:avLst/>
-          </a:prstGeom>
-          <a:solidFill>
-            <a:schemeClr val="lt2"/>
-          </a:solidFill>
-          <a:ln w="9525" cap="flat" cmpd="sng">
-            <a:solidFill>
-              <a:schemeClr val="dk2"/>
-            </a:solidFill>
-            <a:prstDash val="solid"/>
-            <a:round/>
-            <a:headEnd type="none" w="sm" len="sm"/>
-            <a:tailEnd type="none" w="sm" len="sm"/>
-          </a:ln>
-        </p:spPr>
-        <p:txBody>
-          <a:bodyPr spcFirstLastPara="1" wrap="square" lIns="91425" tIns="91425" rIns="91425" bIns="91425" anchor="ctr" anchorCtr="0">
-            <a:noAutofit/>
-          </a:bodyPr>
-          <a:lstStyle/>
-          <a:p>
-            <a:pPr marL="0" marR="0" lvl="0" indent="0" algn="l" rtl="0">
-              <a:lnSpc>
-                <a:spcPct val="100000"/>
-              </a:lnSpc>
-              <a:spcBef>
-                <a:spcPts val="0"/>
-              </a:spcBef>
-              <a:spcAft>
-                <a:spcPts val="0"/>
-              </a:spcAft>
-              <a:buClr>
-                <a:srgbClr val="000000"/>
-              </a:buClr>
-              <a:buSzPts val="1200"/>
-              <a:buFont typeface="Arial"/>
-              <a:buNone/>
-            </a:pPr>
-            <a:r>
-              <a:rPr lang="en" sz="1200" b="0" i="0" u="none" strike="noStrike" cap="none">
-                <a:solidFill>
-                  <a:srgbClr val="000000"/>
-                </a:solidFill>
-                <a:latin typeface="Arial"/>
-                <a:ea typeface="Arial"/>
-                <a:cs typeface="Arial"/>
-                <a:sym typeface="Arial"/>
-              </a:rPr>
-              <a:t>Assembly:    .s</a:t>
-            </a:r>
-            <a:endParaRPr sz="1200" b="0" i="0" u="none" strike="noStrike" cap="none">
-              <a:solidFill>
-                <a:srgbClr val="000000"/>
-              </a:solidFill>
-              <a:latin typeface="Arial"/>
-              <a:ea typeface="Arial"/>
-              <a:cs typeface="Arial"/>
-              <a:sym typeface="Arial"/>
-            </a:endParaRPr>
-          </a:p>
-        </p:txBody>
-      </p:sp>
-      <p:sp>
-        <p:nvSpPr>
-          <p:cNvPr id="82" name="Google Shape;82;p16"/>
-          <p:cNvSpPr/>
-          <p:nvPr/>
-        </p:nvSpPr>
-        <p:spPr>
-          <a:xfrm>
-            <a:off x="3647000" y="2855475"/>
-            <a:ext cx="1463700" cy="338700"/>
-          </a:xfrm>
-          <a:prstGeom prst="rect">
-            <a:avLst/>
-          </a:prstGeom>
-          <a:solidFill>
-            <a:schemeClr val="lt2"/>
-          </a:solidFill>
-          <a:ln w="9525" cap="flat" cmpd="sng">
-            <a:solidFill>
-              <a:schemeClr val="dk2"/>
-            </a:solidFill>
-            <a:prstDash val="solid"/>
-            <a:round/>
-            <a:headEnd type="none" w="sm" len="sm"/>
-            <a:tailEnd type="none" w="sm" len="sm"/>
-          </a:ln>
-        </p:spPr>
-        <p:txBody>
-          <a:bodyPr spcFirstLastPara="1" wrap="square" lIns="91425" tIns="91425" rIns="91425" bIns="91425" anchor="ctr" anchorCtr="0">
-            <a:noAutofit/>
-          </a:bodyPr>
-          <a:lstStyle/>
-          <a:p>
-            <a:pPr marL="0" marR="0" lvl="0" indent="0" algn="l" rtl="0">
-              <a:lnSpc>
-                <a:spcPct val="100000"/>
-              </a:lnSpc>
-              <a:spcBef>
-                <a:spcPts val="0"/>
-              </a:spcBef>
-              <a:spcAft>
-                <a:spcPts val="0"/>
-              </a:spcAft>
-              <a:buClr>
-                <a:srgbClr val="000000"/>
-              </a:buClr>
-              <a:buSzPts val="1200"/>
-              <a:buFont typeface="Arial"/>
-              <a:buNone/>
-            </a:pPr>
-            <a:r>
-              <a:rPr lang="en" sz="1200" b="0" i="0" u="none" strike="noStrike" cap="none">
-                <a:solidFill>
-                  <a:srgbClr val="000000"/>
-                </a:solidFill>
-                <a:latin typeface="Arial"/>
-                <a:ea typeface="Arial"/>
-                <a:cs typeface="Arial"/>
-                <a:sym typeface="Arial"/>
-              </a:rPr>
-              <a:t>Object:      .o</a:t>
-            </a:r>
-            <a:endParaRPr sz="1200" b="0" i="0" u="none" strike="noStrike" cap="none">
-              <a:solidFill>
-                <a:srgbClr val="000000"/>
-              </a:solidFill>
-              <a:latin typeface="Arial"/>
-              <a:ea typeface="Arial"/>
-              <a:cs typeface="Arial"/>
-              <a:sym typeface="Arial"/>
-            </a:endParaRPr>
-          </a:p>
-        </p:txBody>
-      </p:sp>
-      <p:sp>
-        <p:nvSpPr>
-          <p:cNvPr id="83" name="Google Shape;83;p16"/>
-          <p:cNvSpPr/>
-          <p:nvPr/>
-        </p:nvSpPr>
-        <p:spPr>
-          <a:xfrm>
-            <a:off x="3647000" y="3388875"/>
-            <a:ext cx="1463700" cy="338700"/>
-          </a:xfrm>
-          <a:prstGeom prst="rect">
-            <a:avLst/>
-          </a:prstGeom>
-          <a:solidFill>
-            <a:schemeClr val="lt2"/>
-          </a:solidFill>
-          <a:ln w="9525" cap="flat" cmpd="sng">
-            <a:solidFill>
-              <a:schemeClr val="dk2"/>
-            </a:solidFill>
-            <a:prstDash val="solid"/>
-            <a:round/>
-            <a:headEnd type="none" w="sm" len="sm"/>
-            <a:tailEnd type="none" w="sm" len="sm"/>
-          </a:ln>
-        </p:spPr>
-        <p:txBody>
-          <a:bodyPr spcFirstLastPara="1" wrap="square" lIns="91425" tIns="91425" rIns="91425" bIns="91425" anchor="ctr" anchorCtr="0">
-            <a:noAutofit/>
-          </a:bodyPr>
-          <a:lstStyle/>
-          <a:p>
-            <a:pPr marL="0" marR="0" lvl="0" indent="0" algn="l" rtl="0">
-              <a:lnSpc>
-                <a:spcPct val="100000"/>
-              </a:lnSpc>
-              <a:spcBef>
-                <a:spcPts val="0"/>
-              </a:spcBef>
-              <a:spcAft>
-                <a:spcPts val="0"/>
-              </a:spcAft>
-              <a:buClr>
-                <a:srgbClr val="000000"/>
-              </a:buClr>
-              <a:buSzPts val="1200"/>
-              <a:buFont typeface="Arial"/>
-              <a:buNone/>
-            </a:pPr>
-            <a:r>
-              <a:rPr lang="en" sz="1200" b="0" i="0" u="none" strike="noStrike" cap="none">
-                <a:solidFill>
-                  <a:srgbClr val="000000"/>
-                </a:solidFill>
-                <a:latin typeface="Arial"/>
-                <a:ea typeface="Arial"/>
-                <a:cs typeface="Arial"/>
-                <a:sym typeface="Arial"/>
-              </a:rPr>
-              <a:t>Executable:  a.out</a:t>
-            </a:r>
-            <a:endParaRPr sz="1200" b="0" i="0" u="none" strike="noStrike" cap="none">
-              <a:solidFill>
-                <a:srgbClr val="000000"/>
-              </a:solidFill>
-              <a:latin typeface="Arial"/>
-              <a:ea typeface="Arial"/>
-              <a:cs typeface="Arial"/>
-              <a:sym typeface="Arial"/>
-            </a:endParaRPr>
-          </a:p>
-        </p:txBody>
-      </p:sp>
-      <p:sp>
-        <p:nvSpPr>
-          <p:cNvPr id="84" name="Google Shape;84;p16"/>
-          <p:cNvSpPr/>
-          <p:nvPr/>
-        </p:nvSpPr>
-        <p:spPr>
-          <a:xfrm>
-            <a:off x="7559875" y="2028200"/>
-            <a:ext cx="1463700" cy="338700"/>
-          </a:xfrm>
-          <a:prstGeom prst="rect">
-            <a:avLst/>
-          </a:prstGeom>
-          <a:solidFill>
-            <a:schemeClr val="lt2"/>
-          </a:solidFill>
-          <a:ln w="9525" cap="flat" cmpd="sng">
-            <a:solidFill>
-              <a:schemeClr val="dk2"/>
-            </a:solidFill>
-            <a:prstDash val="solid"/>
-            <a:round/>
-            <a:headEnd type="none" w="sm" len="sm"/>
-            <a:tailEnd type="none" w="sm" len="sm"/>
-          </a:ln>
-        </p:spPr>
-        <p:txBody>
-          <a:bodyPr spcFirstLastPara="1" wrap="square" lIns="91425" tIns="91425" rIns="91425" bIns="91425" anchor="ctr" anchorCtr="0">
-            <a:noAutofit/>
-          </a:bodyPr>
-          <a:lstStyle/>
-          <a:p>
-            <a:pPr marL="0" marR="0" lvl="0" indent="0" algn="l" rtl="0">
-              <a:lnSpc>
-                <a:spcPct val="100000"/>
-              </a:lnSpc>
-              <a:spcBef>
-                <a:spcPts val="0"/>
-              </a:spcBef>
-              <a:spcAft>
-                <a:spcPts val="0"/>
-              </a:spcAft>
-              <a:buClr>
-                <a:srgbClr val="000000"/>
-              </a:buClr>
-              <a:buSzPts val="1200"/>
-              <a:buFont typeface="Arial"/>
-              <a:buNone/>
-            </a:pPr>
-            <a:r>
-              <a:rPr lang="en" sz="1200" b="0" i="0" u="none" strike="noStrike" cap="none">
-                <a:solidFill>
-                  <a:srgbClr val="000000"/>
-                </a:solidFill>
-                <a:latin typeface="Arial"/>
-                <a:ea typeface="Arial"/>
-                <a:cs typeface="Arial"/>
-                <a:sym typeface="Arial"/>
-              </a:rPr>
-              <a:t>Object:      .class</a:t>
-            </a:r>
-            <a:endParaRPr sz="1200" b="0" i="0" u="none" strike="noStrike" cap="none">
-              <a:solidFill>
-                <a:srgbClr val="000000"/>
-              </a:solidFill>
-              <a:latin typeface="Arial"/>
-              <a:ea typeface="Arial"/>
-              <a:cs typeface="Arial"/>
-              <a:sym typeface="Arial"/>
-            </a:endParaRPr>
-          </a:p>
-        </p:txBody>
-      </p:sp>
-      <p:sp>
-        <p:nvSpPr>
-          <p:cNvPr id="85" name="Google Shape;85;p16"/>
-          <p:cNvSpPr txBox="1"/>
-          <p:nvPr/>
-        </p:nvSpPr>
-        <p:spPr>
-          <a:xfrm>
-            <a:off x="7631191" y="2919925"/>
-            <a:ext cx="1314900" cy="338700"/>
-          </a:xfrm>
-          <a:prstGeom prst="rect">
-            <a:avLst/>
-          </a:prstGeom>
-          <a:solidFill>
-            <a:srgbClr val="FFFFFF"/>
-          </a:solidFill>
-          <a:ln w="9525" cap="flat" cmpd="sng">
-            <a:solidFill>
-              <a:srgbClr val="999999"/>
-            </a:solidFill>
-            <a:prstDash val="solid"/>
-            <a:round/>
-            <a:headEnd type="none" w="sm" len="sm"/>
-            <a:tailEnd type="none" w="sm" len="sm"/>
-          </a:ln>
-        </p:spPr>
-        <p:txBody>
-          <a:bodyPr spcFirstLastPara="1" wrap="square" lIns="91425" tIns="91425" rIns="91425" bIns="91425" anchor="t" anchorCtr="0">
-            <a:spAutoFit/>
-          </a:bodyPr>
-          <a:lstStyle/>
-          <a:p>
-            <a:pPr marL="0" marR="0" lvl="0" indent="0" algn="ctr" rtl="0">
-              <a:lnSpc>
-                <a:spcPct val="100000"/>
-              </a:lnSpc>
-              <a:spcBef>
-                <a:spcPts val="0"/>
-              </a:spcBef>
-              <a:spcAft>
-                <a:spcPts val="0"/>
-              </a:spcAft>
-              <a:buClr>
-                <a:srgbClr val="000000"/>
-              </a:buClr>
-              <a:buSzPts val="1000"/>
-              <a:buFont typeface="Arial"/>
-              <a:buNone/>
-            </a:pPr>
-            <a:r>
-              <a:rPr lang="en" sz="1000" b="0" i="0" u="none" strike="noStrike" cap="none">
-                <a:solidFill>
-                  <a:srgbClr val="000000"/>
-                </a:solidFill>
-                <a:latin typeface="Arial"/>
-                <a:ea typeface="Arial"/>
-                <a:cs typeface="Arial"/>
-                <a:sym typeface="Arial"/>
-              </a:rPr>
-              <a:t>Virtual Machine</a:t>
-            </a:r>
-            <a:endParaRPr sz="1000" b="0" i="0" u="none" strike="noStrike" cap="none">
-              <a:solidFill>
-                <a:srgbClr val="000000"/>
-              </a:solidFill>
-              <a:latin typeface="Arial"/>
-              <a:ea typeface="Arial"/>
-              <a:cs typeface="Arial"/>
-              <a:sym typeface="Arial"/>
-            </a:endParaRPr>
-          </a:p>
-        </p:txBody>
-      </p:sp>
-      <p:sp>
-        <p:nvSpPr>
-          <p:cNvPr id="86" name="Google Shape;86;p16"/>
-          <p:cNvSpPr/>
-          <p:nvPr/>
-        </p:nvSpPr>
-        <p:spPr>
-          <a:xfrm rot="-5400000" flipH="1">
-            <a:off x="7743025" y="3384175"/>
-            <a:ext cx="559500" cy="719700"/>
-          </a:xfrm>
-          <a:prstGeom prst="bentUpArrow">
-            <a:avLst>
-              <a:gd name="adj1" fmla="val 25000"/>
-              <a:gd name="adj2" fmla="val 25865"/>
-              <a:gd name="adj3" fmla="val 25000"/>
-            </a:avLst>
-          </a:prstGeom>
-          <a:solidFill>
-            <a:schemeClr val="lt2"/>
-          </a:solidFill>
-          <a:ln w="9525" cap="flat" cmpd="sng">
-            <a:solidFill>
-              <a:schemeClr val="dk2"/>
-            </a:solidFill>
-            <a:prstDash val="solid"/>
-            <a:round/>
-            <a:headEnd type="none" w="sm" len="sm"/>
-            <a:tailEnd type="none" w="sm" len="sm"/>
-          </a:ln>
-        </p:spPr>
-        <p:txBody>
-          <a:bodyPr spcFirstLastPara="1" wrap="square" lIns="91425" tIns="91425" rIns="91425" bIns="91425" anchor="ctr" anchorCtr="0">
-            <a:noAutofit/>
-          </a:bodyPr>
-          <a:lstStyle/>
-          <a:p>
-            <a:pPr marL="0" marR="0" lvl="0" indent="0" algn="l" rtl="0">
-              <a:lnSpc>
-                <a:spcPct val="100000"/>
-              </a:lnSpc>
-              <a:spcBef>
-                <a:spcPts val="0"/>
-              </a:spcBef>
-              <a:spcAft>
-                <a:spcPts val="0"/>
-              </a:spcAft>
-              <a:buClr>
-                <a:srgbClr val="000000"/>
-              </a:buClr>
-              <a:buSzPts val="1400"/>
-              <a:buFont typeface="Arial"/>
-              <a:buNone/>
-            </a:pPr>
-            <a:endParaRPr sz="1400" b="0" i="0" u="none" strike="noStrike" cap="none">
-              <a:solidFill>
-                <a:srgbClr val="000000"/>
-              </a:solidFill>
-              <a:latin typeface="Arial"/>
-              <a:ea typeface="Arial"/>
-              <a:cs typeface="Arial"/>
-              <a:sym typeface="Arial"/>
-            </a:endParaRPr>
-          </a:p>
-        </p:txBody>
-      </p:sp>
-      <p:cxnSp>
-        <p:nvCxnSpPr>
-          <p:cNvPr id="87" name="Google Shape;87;p16"/>
-          <p:cNvCxnSpPr>
-            <a:stCxn id="80" idx="2"/>
-            <a:endCxn id="84" idx="0"/>
-          </p:cNvCxnSpPr>
-          <p:nvPr/>
-        </p:nvCxnSpPr>
-        <p:spPr>
-          <a:xfrm>
-            <a:off x="8265450" y="1383875"/>
-            <a:ext cx="26400" cy="644400"/>
-          </a:xfrm>
-          <a:prstGeom prst="straightConnector1">
-            <a:avLst/>
-          </a:prstGeom>
-          <a:noFill/>
-          <a:ln w="9525" cap="flat" cmpd="sng">
-            <a:solidFill>
-              <a:schemeClr val="dk2"/>
-            </a:solidFill>
-            <a:prstDash val="solid"/>
-            <a:round/>
-            <a:headEnd type="none" w="sm" len="sm"/>
-            <a:tailEnd type="triangle" w="med" len="med"/>
-          </a:ln>
-        </p:spPr>
-      </p:cxnSp>
-      <p:sp>
-        <p:nvSpPr>
-          <p:cNvPr id="88" name="Google Shape;88;p16"/>
-          <p:cNvSpPr txBox="1"/>
-          <p:nvPr/>
-        </p:nvSpPr>
-        <p:spPr>
-          <a:xfrm>
-            <a:off x="7871650" y="1570750"/>
-            <a:ext cx="834000" cy="276900"/>
-          </a:xfrm>
-          <a:prstGeom prst="rect">
-            <a:avLst/>
-          </a:prstGeom>
-          <a:solidFill>
-            <a:srgbClr val="F3F3F3"/>
-          </a:solidFill>
-          <a:ln w="9525" cap="flat" cmpd="sng">
-            <a:solidFill>
-              <a:srgbClr val="EFEFEF"/>
-            </a:solidFill>
-            <a:prstDash val="solid"/>
-            <a:round/>
-            <a:headEnd type="none" w="sm" len="sm"/>
-            <a:tailEnd type="none" w="sm" len="sm"/>
-          </a:ln>
-        </p:spPr>
-        <p:txBody>
-          <a:bodyPr spcFirstLastPara="1" wrap="square" lIns="91425" tIns="91425" rIns="91425" bIns="91425" anchor="t" anchorCtr="0">
-            <a:spAutoFit/>
-          </a:bodyPr>
-          <a:lstStyle/>
-          <a:p>
-            <a:pPr marL="0" marR="0" lvl="0" indent="0" algn="ctr" rtl="0">
-              <a:lnSpc>
-                <a:spcPct val="100000"/>
-              </a:lnSpc>
-              <a:spcBef>
-                <a:spcPts val="0"/>
-              </a:spcBef>
-              <a:spcAft>
-                <a:spcPts val="0"/>
-              </a:spcAft>
-              <a:buClr>
-                <a:srgbClr val="000000"/>
-              </a:buClr>
-              <a:buSzPts val="600"/>
-              <a:buFont typeface="Arial"/>
-              <a:buNone/>
-            </a:pPr>
-            <a:r>
-              <a:rPr lang="en" sz="600" b="0" i="0" u="none" strike="noStrike" cap="none">
-                <a:solidFill>
-                  <a:srgbClr val="000000"/>
-                </a:solidFill>
-                <a:latin typeface="Arial"/>
-                <a:ea typeface="Arial"/>
-                <a:cs typeface="Arial"/>
-                <a:sym typeface="Arial"/>
-              </a:rPr>
-              <a:t>javac</a:t>
-            </a:r>
-            <a:endParaRPr sz="600" b="0" i="0" u="none" strike="noStrike" cap="none">
-              <a:solidFill>
-                <a:srgbClr val="000000"/>
-              </a:solidFill>
-              <a:latin typeface="Arial"/>
-              <a:ea typeface="Arial"/>
-              <a:cs typeface="Arial"/>
-              <a:sym typeface="Arial"/>
-            </a:endParaRPr>
-          </a:p>
-        </p:txBody>
-      </p:sp>
-      <p:cxnSp>
-        <p:nvCxnSpPr>
-          <p:cNvPr id="89" name="Google Shape;89;p16"/>
-          <p:cNvCxnSpPr>
-            <a:stCxn id="84" idx="2"/>
-            <a:endCxn id="85" idx="0"/>
-          </p:cNvCxnSpPr>
-          <p:nvPr/>
-        </p:nvCxnSpPr>
-        <p:spPr>
-          <a:xfrm flipH="1">
-            <a:off x="8288725" y="2366900"/>
-            <a:ext cx="3000" cy="552900"/>
-          </a:xfrm>
-          <a:prstGeom prst="straightConnector1">
-            <a:avLst/>
-          </a:prstGeom>
-          <a:noFill/>
-          <a:ln w="9525" cap="flat" cmpd="sng">
-            <a:solidFill>
-              <a:schemeClr val="dk2"/>
-            </a:solidFill>
-            <a:prstDash val="solid"/>
-            <a:round/>
-            <a:headEnd type="none" w="sm" len="sm"/>
-            <a:tailEnd type="triangle" w="med" len="med"/>
-          </a:ln>
-        </p:spPr>
-      </p:cxnSp>
-      <p:sp>
-        <p:nvSpPr>
-          <p:cNvPr id="90" name="Google Shape;90;p16"/>
-          <p:cNvSpPr txBox="1"/>
-          <p:nvPr/>
-        </p:nvSpPr>
-        <p:spPr>
-          <a:xfrm>
-            <a:off x="7871650" y="2485150"/>
-            <a:ext cx="834000" cy="276900"/>
-          </a:xfrm>
-          <a:prstGeom prst="rect">
-            <a:avLst/>
-          </a:prstGeom>
-          <a:solidFill>
-            <a:srgbClr val="F3F3F3"/>
-          </a:solidFill>
-          <a:ln w="9525" cap="flat" cmpd="sng">
-            <a:solidFill>
-              <a:srgbClr val="EFEFEF"/>
-            </a:solidFill>
-            <a:prstDash val="solid"/>
-            <a:round/>
-            <a:headEnd type="none" w="sm" len="sm"/>
-            <a:tailEnd type="none" w="sm" len="sm"/>
-          </a:ln>
-        </p:spPr>
-        <p:txBody>
-          <a:bodyPr spcFirstLastPara="1" wrap="square" lIns="91425" tIns="91425" rIns="91425" bIns="91425" anchor="t" anchorCtr="0">
-            <a:spAutoFit/>
-          </a:bodyPr>
-          <a:lstStyle/>
-          <a:p>
-            <a:pPr marL="0" marR="0" lvl="0" indent="0" algn="ctr" rtl="0">
-              <a:lnSpc>
-                <a:spcPct val="100000"/>
-              </a:lnSpc>
-              <a:spcBef>
-                <a:spcPts val="0"/>
-              </a:spcBef>
-              <a:spcAft>
-                <a:spcPts val="0"/>
-              </a:spcAft>
-              <a:buClr>
-                <a:srgbClr val="000000"/>
-              </a:buClr>
-              <a:buSzPts val="600"/>
-              <a:buFont typeface="Arial"/>
-              <a:buNone/>
-            </a:pPr>
-            <a:r>
-              <a:rPr lang="en" sz="600" b="0" i="0" u="none" strike="noStrike" cap="none">
-                <a:solidFill>
-                  <a:srgbClr val="000000"/>
-                </a:solidFill>
-                <a:latin typeface="Arial"/>
-                <a:ea typeface="Arial"/>
-                <a:cs typeface="Arial"/>
-                <a:sym typeface="Arial"/>
-              </a:rPr>
-              <a:t>java</a:t>
-            </a:r>
-            <a:endParaRPr sz="600" b="0" i="0" u="none" strike="noStrike" cap="none">
-              <a:solidFill>
-                <a:srgbClr val="000000"/>
-              </a:solidFill>
-              <a:latin typeface="Arial"/>
-              <a:ea typeface="Arial"/>
-              <a:cs typeface="Arial"/>
-              <a:sym typeface="Arial"/>
-            </a:endParaRPr>
-          </a:p>
-        </p:txBody>
-      </p:sp>
-      <p:sp>
-        <p:nvSpPr>
-          <p:cNvPr id="91" name="Google Shape;91;p16"/>
-          <p:cNvSpPr txBox="1"/>
-          <p:nvPr/>
-        </p:nvSpPr>
-        <p:spPr>
-          <a:xfrm>
-            <a:off x="3982375" y="896848"/>
-            <a:ext cx="719700" cy="723300"/>
-          </a:xfrm>
-          <a:prstGeom prst="rect">
-            <a:avLst/>
-          </a:prstGeom>
-          <a:solidFill>
-            <a:srgbClr val="FFFFFF"/>
-          </a:solidFill>
-          <a:ln w="9525" cap="flat" cmpd="sng">
-            <a:solidFill>
-              <a:srgbClr val="999999"/>
-            </a:solidFill>
-            <a:prstDash val="solid"/>
-            <a:round/>
-            <a:headEnd type="none" w="sm" len="sm"/>
-            <a:tailEnd type="none" w="sm" len="sm"/>
-          </a:ln>
-        </p:spPr>
-        <p:txBody>
-          <a:bodyPr spcFirstLastPara="1" wrap="square" lIns="91425" tIns="91425" rIns="91425" bIns="91425" anchor="t" anchorCtr="0">
-            <a:spAutoFit/>
-          </a:bodyPr>
-          <a:lstStyle/>
-          <a:p>
-            <a:pPr marL="0" marR="0" lvl="0" indent="0" algn="l" rtl="0">
-              <a:lnSpc>
-                <a:spcPct val="100000"/>
-              </a:lnSpc>
-              <a:spcBef>
-                <a:spcPts val="0"/>
-              </a:spcBef>
-              <a:spcAft>
-                <a:spcPts val="0"/>
-              </a:spcAft>
-              <a:buClr>
-                <a:srgbClr val="000000"/>
-              </a:buClr>
-              <a:buSzPts val="700"/>
-              <a:buFont typeface="Arial"/>
-              <a:buNone/>
-            </a:pPr>
-            <a:r>
-              <a:rPr lang="en" sz="700" b="0" i="0" u="none" strike="noStrike" cap="none">
-                <a:solidFill>
-                  <a:srgbClr val="000000"/>
-                </a:solidFill>
-                <a:latin typeface="Arial"/>
-                <a:ea typeface="Arial"/>
-                <a:cs typeface="Arial"/>
-                <a:sym typeface="Arial"/>
-              </a:rPr>
-              <a:t>cc:  ← .h, .c</a:t>
-            </a:r>
-            <a:endParaRPr sz="700" b="0" i="0" u="none" strike="noStrike" cap="none">
-              <a:solidFill>
-                <a:srgbClr val="000000"/>
-              </a:solidFill>
-              <a:latin typeface="Arial"/>
-              <a:ea typeface="Arial"/>
-              <a:cs typeface="Arial"/>
-              <a:sym typeface="Arial"/>
-            </a:endParaRPr>
-          </a:p>
-          <a:p>
-            <a:pPr marL="0" marR="0" lvl="0" indent="0" algn="l" rtl="0">
-              <a:lnSpc>
-                <a:spcPct val="100000"/>
-              </a:lnSpc>
-              <a:spcBef>
-                <a:spcPts val="0"/>
-              </a:spcBef>
-              <a:spcAft>
-                <a:spcPts val="0"/>
-              </a:spcAft>
-              <a:buClr>
-                <a:srgbClr val="000000"/>
-              </a:buClr>
-              <a:buSzPts val="700"/>
-              <a:buFont typeface="Arial"/>
-              <a:buNone/>
-            </a:pPr>
-            <a:r>
-              <a:rPr lang="en" sz="700" b="0" i="0" u="none" strike="noStrike" cap="none">
-                <a:solidFill>
-                  <a:srgbClr val="000000"/>
-                </a:solidFill>
-                <a:latin typeface="Arial"/>
-                <a:ea typeface="Arial"/>
-                <a:cs typeface="Arial"/>
-                <a:sym typeface="Arial"/>
-              </a:rPr>
-              <a:t>     .i ← cpp</a:t>
-            </a:r>
-            <a:endParaRPr sz="700" b="0" i="0" u="none" strike="noStrike" cap="none">
-              <a:solidFill>
-                <a:srgbClr val="000000"/>
-              </a:solidFill>
-              <a:latin typeface="Arial"/>
-              <a:ea typeface="Arial"/>
-              <a:cs typeface="Arial"/>
-              <a:sym typeface="Arial"/>
-            </a:endParaRPr>
-          </a:p>
-          <a:p>
-            <a:pPr marL="0" marR="0" lvl="0" indent="0" algn="l" rtl="0">
-              <a:lnSpc>
-                <a:spcPct val="100000"/>
-              </a:lnSpc>
-              <a:spcBef>
-                <a:spcPts val="0"/>
-              </a:spcBef>
-              <a:spcAft>
-                <a:spcPts val="0"/>
-              </a:spcAft>
-              <a:buClr>
-                <a:srgbClr val="000000"/>
-              </a:buClr>
-              <a:buSzPts val="700"/>
-              <a:buFont typeface="Arial"/>
-              <a:buNone/>
-            </a:pPr>
-            <a:r>
-              <a:rPr lang="en" sz="700" b="0" i="0" u="none" strike="noStrike" cap="none">
-                <a:solidFill>
-                  <a:srgbClr val="000000"/>
-                </a:solidFill>
-                <a:latin typeface="Arial"/>
-                <a:ea typeface="Arial"/>
-                <a:cs typeface="Arial"/>
-                <a:sym typeface="Arial"/>
-              </a:rPr>
-              <a:t>     .s ← ccom</a:t>
-            </a:r>
-            <a:br>
-              <a:rPr lang="en" sz="700" b="0" i="0" u="none" strike="noStrike" cap="none">
-                <a:solidFill>
-                  <a:srgbClr val="000000"/>
-                </a:solidFill>
-                <a:latin typeface="Arial"/>
-                <a:ea typeface="Arial"/>
-                <a:cs typeface="Arial"/>
-                <a:sym typeface="Arial"/>
-              </a:rPr>
-            </a:br>
-            <a:r>
-              <a:rPr lang="en" sz="700" b="0" i="0" u="none" strike="noStrike" cap="none">
-                <a:solidFill>
-                  <a:srgbClr val="000000"/>
-                </a:solidFill>
-                <a:latin typeface="Arial"/>
-                <a:ea typeface="Arial"/>
-                <a:cs typeface="Arial"/>
-                <a:sym typeface="Arial"/>
-              </a:rPr>
-              <a:t>     .o ← as </a:t>
-            </a:r>
-            <a:endParaRPr sz="700" b="0" i="0" u="none" strike="noStrike" cap="none">
-              <a:solidFill>
-                <a:srgbClr val="000000"/>
-              </a:solidFill>
-              <a:latin typeface="Arial"/>
-              <a:ea typeface="Arial"/>
-              <a:cs typeface="Arial"/>
-              <a:sym typeface="Arial"/>
-            </a:endParaRPr>
-          </a:p>
-          <a:p>
-            <a:pPr marL="0" marR="0" lvl="0" indent="0" algn="l" rtl="0">
-              <a:lnSpc>
-                <a:spcPct val="100000"/>
-              </a:lnSpc>
-              <a:spcBef>
-                <a:spcPts val="0"/>
-              </a:spcBef>
-              <a:spcAft>
-                <a:spcPts val="0"/>
-              </a:spcAft>
-              <a:buClr>
-                <a:srgbClr val="000000"/>
-              </a:buClr>
-              <a:buSzPts val="700"/>
-              <a:buFont typeface="Arial"/>
-              <a:buNone/>
-            </a:pPr>
-            <a:r>
-              <a:rPr lang="en" sz="700" b="0" i="0" u="none" strike="noStrike" cap="none">
-                <a:solidFill>
-                  <a:srgbClr val="000000"/>
-                </a:solidFill>
-                <a:latin typeface="Arial"/>
-                <a:ea typeface="Arial"/>
-                <a:cs typeface="Arial"/>
-                <a:sym typeface="Arial"/>
-              </a:rPr>
-              <a:t>     .out ← ld </a:t>
-            </a:r>
-            <a:endParaRPr sz="700" b="0" i="0" u="none" strike="noStrike" cap="none">
-              <a:solidFill>
-                <a:srgbClr val="000000"/>
-              </a:solidFill>
-              <a:latin typeface="Arial"/>
-              <a:ea typeface="Arial"/>
-              <a:cs typeface="Arial"/>
-              <a:sym typeface="Arial"/>
-            </a:endParaRPr>
-          </a:p>
-        </p:txBody>
-      </p:sp>
-      <p:cxnSp>
-        <p:nvCxnSpPr>
-          <p:cNvPr id="92" name="Google Shape;92;p16"/>
-          <p:cNvCxnSpPr>
-            <a:stCxn id="93" idx="2"/>
-            <a:endCxn id="81" idx="0"/>
-          </p:cNvCxnSpPr>
-          <p:nvPr/>
-        </p:nvCxnSpPr>
-        <p:spPr>
-          <a:xfrm>
-            <a:off x="4378564" y="1991647"/>
-            <a:ext cx="300" cy="330300"/>
-          </a:xfrm>
-          <a:prstGeom prst="straightConnector1">
-            <a:avLst/>
-          </a:prstGeom>
-          <a:noFill/>
-          <a:ln w="9525" cap="flat" cmpd="sng">
-            <a:solidFill>
-              <a:schemeClr val="dk2"/>
-            </a:solidFill>
-            <a:prstDash val="solid"/>
-            <a:round/>
-            <a:headEnd type="none" w="sm" len="sm"/>
-            <a:tailEnd type="triangle" w="med" len="med"/>
-          </a:ln>
-        </p:spPr>
-      </p:cxnSp>
-      <p:cxnSp>
-        <p:nvCxnSpPr>
-          <p:cNvPr id="94" name="Google Shape;94;p16"/>
-          <p:cNvCxnSpPr>
-            <a:stCxn id="81" idx="2"/>
-            <a:endCxn id="82" idx="0"/>
-          </p:cNvCxnSpPr>
-          <p:nvPr/>
-        </p:nvCxnSpPr>
-        <p:spPr>
-          <a:xfrm>
-            <a:off x="4378850" y="2660775"/>
-            <a:ext cx="0" cy="194700"/>
-          </a:xfrm>
-          <a:prstGeom prst="straightConnector1">
-            <a:avLst/>
-          </a:prstGeom>
-          <a:noFill/>
-          <a:ln w="9525" cap="flat" cmpd="sng">
-            <a:solidFill>
-              <a:schemeClr val="dk2"/>
-            </a:solidFill>
-            <a:prstDash val="solid"/>
-            <a:round/>
-            <a:headEnd type="none" w="sm" len="sm"/>
-            <a:tailEnd type="triangle" w="med" len="med"/>
-          </a:ln>
-        </p:spPr>
-      </p:cxnSp>
-      <p:cxnSp>
-        <p:nvCxnSpPr>
-          <p:cNvPr id="95" name="Google Shape;95;p16"/>
-          <p:cNvCxnSpPr>
-            <a:stCxn id="82" idx="2"/>
-            <a:endCxn id="83" idx="0"/>
-          </p:cNvCxnSpPr>
-          <p:nvPr/>
-        </p:nvCxnSpPr>
-        <p:spPr>
-          <a:xfrm>
-            <a:off x="4378850" y="3194175"/>
-            <a:ext cx="0" cy="194700"/>
-          </a:xfrm>
-          <a:prstGeom prst="straightConnector1">
-            <a:avLst/>
-          </a:prstGeom>
-          <a:noFill/>
-          <a:ln w="9525" cap="flat" cmpd="sng">
-            <a:solidFill>
-              <a:schemeClr val="dk2"/>
-            </a:solidFill>
-            <a:prstDash val="solid"/>
-            <a:round/>
-            <a:headEnd type="none" w="sm" len="sm"/>
-            <a:tailEnd type="triangle" w="med" len="med"/>
-          </a:ln>
-        </p:spPr>
-      </p:cxnSp>
-      <p:sp>
-        <p:nvSpPr>
-          <p:cNvPr id="93" name="Google Shape;93;p16"/>
-          <p:cNvSpPr/>
-          <p:nvPr/>
-        </p:nvSpPr>
-        <p:spPr>
-          <a:xfrm>
-            <a:off x="3646714" y="1652947"/>
-            <a:ext cx="1463700" cy="338700"/>
-          </a:xfrm>
-          <a:prstGeom prst="rect">
-            <a:avLst/>
-          </a:prstGeom>
-          <a:solidFill>
-            <a:schemeClr val="lt2"/>
-          </a:solidFill>
-          <a:ln w="9525" cap="flat" cmpd="sng">
-            <a:solidFill>
-              <a:schemeClr val="dk2"/>
-            </a:solidFill>
-            <a:prstDash val="solid"/>
-            <a:round/>
-            <a:headEnd type="none" w="sm" len="sm"/>
-            <a:tailEnd type="none" w="sm" len="sm"/>
-          </a:ln>
-        </p:spPr>
-        <p:txBody>
-          <a:bodyPr spcFirstLastPara="1" wrap="square" lIns="91425" tIns="91425" rIns="91425" bIns="91425" anchor="ctr" anchorCtr="0">
-            <a:noAutofit/>
-          </a:bodyPr>
-          <a:lstStyle/>
-          <a:p>
-            <a:pPr marL="0" marR="0" lvl="0" indent="0" algn="l" rtl="0">
-              <a:lnSpc>
-                <a:spcPct val="100000"/>
-              </a:lnSpc>
-              <a:spcBef>
-                <a:spcPts val="0"/>
-              </a:spcBef>
-              <a:spcAft>
-                <a:spcPts val="0"/>
-              </a:spcAft>
-              <a:buClr>
-                <a:srgbClr val="000000"/>
-              </a:buClr>
-              <a:buSzPts val="1200"/>
-              <a:buFont typeface="Arial"/>
-              <a:buNone/>
-            </a:pPr>
-            <a:r>
-              <a:rPr lang="en" sz="1200" b="0" i="0" u="none" strike="noStrike" cap="none">
-                <a:solidFill>
-                  <a:srgbClr val="000000"/>
-                </a:solidFill>
-                <a:latin typeface="Arial"/>
-                <a:ea typeface="Arial"/>
-                <a:cs typeface="Arial"/>
-                <a:sym typeface="Arial"/>
-              </a:rPr>
-              <a:t>Source:      .c</a:t>
-            </a:r>
-            <a:endParaRPr sz="1200" b="0" i="0" u="none" strike="noStrike" cap="none">
-              <a:solidFill>
-                <a:srgbClr val="000000"/>
-              </a:solidFill>
-              <a:latin typeface="Arial"/>
-              <a:ea typeface="Arial"/>
-              <a:cs typeface="Arial"/>
-              <a:sym typeface="Arial"/>
-            </a:endParaRPr>
-          </a:p>
-        </p:txBody>
-      </p:sp>
-      <p:sp>
-        <p:nvSpPr>
-          <p:cNvPr id="96" name="Google Shape;96;p16"/>
-          <p:cNvSpPr/>
-          <p:nvPr/>
-        </p:nvSpPr>
-        <p:spPr>
-          <a:xfrm rot="5402886">
-            <a:off x="4533966" y="3536344"/>
-            <a:ext cx="357300" cy="743400"/>
-          </a:xfrm>
-          <a:prstGeom prst="bentUpArrow">
-            <a:avLst>
-              <a:gd name="adj1" fmla="val 25000"/>
-              <a:gd name="adj2" fmla="val 25000"/>
-              <a:gd name="adj3" fmla="val 25000"/>
-            </a:avLst>
-          </a:prstGeom>
-          <a:solidFill>
-            <a:schemeClr val="lt2"/>
-          </a:solidFill>
-          <a:ln w="9525" cap="flat" cmpd="sng">
-            <a:solidFill>
-              <a:schemeClr val="dk2"/>
-            </a:solidFill>
-            <a:prstDash val="solid"/>
-            <a:round/>
-            <a:headEnd type="none" w="sm" len="sm"/>
-            <a:tailEnd type="none" w="sm" len="sm"/>
-          </a:ln>
-        </p:spPr>
-        <p:txBody>
-          <a:bodyPr spcFirstLastPara="1" wrap="square" lIns="91425" tIns="91425" rIns="91425" bIns="91425" anchor="ctr" anchorCtr="0">
-            <a:noAutofit/>
-          </a:bodyPr>
-          <a:lstStyle/>
-          <a:p>
-            <a:pPr marL="0" marR="0" lvl="0" indent="0" algn="l" rtl="0">
-              <a:lnSpc>
-                <a:spcPct val="100000"/>
-              </a:lnSpc>
-              <a:spcBef>
-                <a:spcPts val="0"/>
-              </a:spcBef>
-              <a:spcAft>
-                <a:spcPts val="0"/>
-              </a:spcAft>
-              <a:buClr>
-                <a:srgbClr val="000000"/>
-              </a:buClr>
-              <a:buSzPts val="1400"/>
-              <a:buFont typeface="Arial"/>
-              <a:buNone/>
-            </a:pPr>
-            <a:endParaRPr sz="1400" b="0" i="0" u="none" strike="noStrike" cap="none">
-              <a:solidFill>
-                <a:srgbClr val="000000"/>
-              </a:solidFill>
-              <a:latin typeface="Arial"/>
-              <a:ea typeface="Arial"/>
-              <a:cs typeface="Arial"/>
-              <a:sym typeface="Arial"/>
-            </a:endParaRPr>
-          </a:p>
-        </p:txBody>
-      </p:sp>
-      <p:sp>
-        <p:nvSpPr>
-          <p:cNvPr id="97" name="Google Shape;97;p16"/>
-          <p:cNvSpPr/>
-          <p:nvPr/>
-        </p:nvSpPr>
-        <p:spPr>
-          <a:xfrm>
-            <a:off x="5205850" y="3784275"/>
-            <a:ext cx="151800" cy="601200"/>
-          </a:xfrm>
-          <a:prstGeom prst="rect">
-            <a:avLst/>
-          </a:prstGeom>
-          <a:solidFill>
-            <a:schemeClr val="lt2"/>
-          </a:solidFill>
-          <a:ln w="9525" cap="flat" cmpd="sng">
-            <a:solidFill>
-              <a:schemeClr val="dk2"/>
-            </a:solidFill>
-            <a:prstDash val="solid"/>
-            <a:round/>
-            <a:headEnd type="none" w="sm" len="sm"/>
-            <a:tailEnd type="none" w="sm" len="sm"/>
-          </a:ln>
-        </p:spPr>
-        <p:txBody>
-          <a:bodyPr spcFirstLastPara="1" wrap="square" lIns="91425" tIns="91425" rIns="91425" bIns="91425" anchor="ctr" anchorCtr="0">
-            <a:noAutofit/>
-          </a:bodyPr>
-          <a:lstStyle/>
-          <a:p>
-            <a:pPr marL="0" marR="0" lvl="0" indent="0" algn="l" rtl="0">
-              <a:lnSpc>
-                <a:spcPct val="100000"/>
-              </a:lnSpc>
-              <a:spcBef>
-                <a:spcPts val="0"/>
-              </a:spcBef>
-              <a:spcAft>
-                <a:spcPts val="0"/>
-              </a:spcAft>
-              <a:buClr>
-                <a:srgbClr val="000000"/>
-              </a:buClr>
-              <a:buSzPts val="500"/>
-              <a:buFont typeface="Arial"/>
-              <a:buNone/>
-            </a:pPr>
-            <a:r>
-              <a:rPr lang="en" sz="500" b="0" i="0" u="none" strike="noStrike" cap="none">
-                <a:solidFill>
-                  <a:srgbClr val="000000"/>
-                </a:solidFill>
-                <a:latin typeface="Arial"/>
-                <a:ea typeface="Arial"/>
-                <a:cs typeface="Arial"/>
-                <a:sym typeface="Arial"/>
-              </a:rPr>
-              <a:t>kernel</a:t>
-            </a:r>
-            <a:endParaRPr sz="500" b="0" i="0" u="none" strike="noStrike" cap="none">
-              <a:solidFill>
-                <a:srgbClr val="000000"/>
-              </a:solidFill>
-              <a:latin typeface="Arial"/>
-              <a:ea typeface="Arial"/>
-              <a:cs typeface="Arial"/>
-              <a:sym typeface="Arial"/>
-            </a:endParaRPr>
-          </a:p>
-        </p:txBody>
-      </p:sp>
-      <p:sp>
-        <p:nvSpPr>
-          <p:cNvPr id="98" name="Google Shape;98;p16"/>
-          <p:cNvSpPr/>
-          <p:nvPr/>
-        </p:nvSpPr>
-        <p:spPr>
-          <a:xfrm>
-            <a:off x="7339450" y="3631875"/>
-            <a:ext cx="151800" cy="601200"/>
-          </a:xfrm>
-          <a:prstGeom prst="rect">
-            <a:avLst/>
-          </a:prstGeom>
-          <a:solidFill>
-            <a:schemeClr val="lt2"/>
-          </a:solidFill>
-          <a:ln w="9525" cap="flat" cmpd="sng">
-            <a:solidFill>
-              <a:schemeClr val="dk2"/>
-            </a:solidFill>
-            <a:prstDash val="solid"/>
-            <a:round/>
-            <a:headEnd type="none" w="sm" len="sm"/>
-            <a:tailEnd type="none" w="sm" len="sm"/>
-          </a:ln>
-        </p:spPr>
-        <p:txBody>
-          <a:bodyPr spcFirstLastPara="1" wrap="square" lIns="91425" tIns="91425" rIns="91425" bIns="91425" anchor="ctr" anchorCtr="0">
-            <a:noAutofit/>
-          </a:bodyPr>
-          <a:lstStyle/>
-          <a:p>
-            <a:pPr marL="0" marR="0" lvl="0" indent="0" algn="l" rtl="0">
-              <a:lnSpc>
-                <a:spcPct val="100000"/>
-              </a:lnSpc>
-              <a:spcBef>
-                <a:spcPts val="0"/>
-              </a:spcBef>
-              <a:spcAft>
-                <a:spcPts val="0"/>
-              </a:spcAft>
-              <a:buClr>
-                <a:srgbClr val="000000"/>
-              </a:buClr>
-              <a:buSzPts val="500"/>
-              <a:buFont typeface="Arial"/>
-              <a:buNone/>
-            </a:pPr>
-            <a:r>
-              <a:rPr lang="en" sz="500" b="0" i="0" u="none" strike="noStrike" cap="none">
-                <a:solidFill>
-                  <a:srgbClr val="000000"/>
-                </a:solidFill>
-                <a:latin typeface="Arial"/>
-                <a:ea typeface="Arial"/>
-                <a:cs typeface="Arial"/>
-                <a:sym typeface="Arial"/>
-              </a:rPr>
-              <a:t>kernel</a:t>
-            </a:r>
-            <a:endParaRPr sz="500" b="0" i="0" u="none" strike="noStrike" cap="none">
-              <a:solidFill>
-                <a:srgbClr val="000000"/>
-              </a:solidFill>
-              <a:latin typeface="Arial"/>
-              <a:ea typeface="Arial"/>
-              <a:cs typeface="Arial"/>
-              <a:sym typeface="Arial"/>
-            </a:endParaRPr>
-          </a:p>
-        </p:txBody>
-      </p:sp>
-    </p:spTree>
-  </p:cSld>
-  <p:clrMapOvr>
-    <a:masterClrMapping/>
-  </p:clrMapOvr>
-</p:sld>
-</file>
-
 <file path=ppt/theme/theme1.xml><?xml version="1.0" encoding="utf-8"?>
 <a:theme xmlns:a="http://schemas.openxmlformats.org/drawingml/2006/main" name="Simple Light">
   <a:themeElements>
